--- a/presentation.pptx
+++ b/presentation.pptx
@@ -5,18 +5,17 @@
     <p:sldMasterId id="2147483648" r:id="rId1"/>
   </p:sldMasterIdLst>
   <p:notesMasterIdLst>
-    <p:notesMasterId r:id="rId11"/>
+    <p:notesMasterId r:id="rId10"/>
   </p:notesMasterIdLst>
   <p:sldIdLst>
     <p:sldId id="256" r:id="rId2"/>
-    <p:sldId id="257" r:id="rId3"/>
-    <p:sldId id="258" r:id="rId4"/>
-    <p:sldId id="272" r:id="rId5"/>
-    <p:sldId id="273" r:id="rId6"/>
-    <p:sldId id="260" r:id="rId7"/>
-    <p:sldId id="264" r:id="rId8"/>
-    <p:sldId id="270" r:id="rId9"/>
-    <p:sldId id="274" r:id="rId10"/>
+    <p:sldId id="258" r:id="rId3"/>
+    <p:sldId id="272" r:id="rId4"/>
+    <p:sldId id="273" r:id="rId5"/>
+    <p:sldId id="260" r:id="rId6"/>
+    <p:sldId id="264" r:id="rId7"/>
+    <p:sldId id="270" r:id="rId8"/>
+    <p:sldId id="274" r:id="rId9"/>
   </p:sldIdLst>
   <p:sldSz cx="12192000" cy="6858000"/>
   <p:notesSz cx="6858000" cy="9144000"/>
@@ -3890,7 +3889,7 @@
           <p:cNvPr id="2" name="标题 1">
             <a:extLst>
               <a:ext uri="{FF2B5EF4-FFF2-40B4-BE49-F238E27FC236}">
-                <a16:creationId xmlns:a16="http://schemas.microsoft.com/office/drawing/2014/main" id="{37FA5494-F11B-4518-B873-C4773C98F486}"/>
+                <a16:creationId xmlns:a16="http://schemas.microsoft.com/office/drawing/2014/main" id="{C6B0E5BB-36F8-459F-A8D2-95EA3004D06A}"/>
               </a:ext>
             </a:extLst>
           </p:cNvPr>
@@ -3908,7 +3907,7 @@
           <a:p>
             <a:r>
               <a:rPr lang="en-US" altLang="zh-CN" dirty="0"/>
-              <a:t>Backgrounds</a:t>
+              <a:t>Data Cleaning</a:t>
             </a:r>
             <a:endParaRPr lang="zh-CN" altLang="en-US" dirty="0"/>
           </a:p>
@@ -3919,7 +3918,7 @@
           <p:cNvPr id="3" name="内容占位符 2">
             <a:extLst>
               <a:ext uri="{FF2B5EF4-FFF2-40B4-BE49-F238E27FC236}">
-                <a16:creationId xmlns:a16="http://schemas.microsoft.com/office/drawing/2014/main" id="{D35CA9AF-81E8-4CB4-AA12-D82B57F8C3AC}"/>
+                <a16:creationId xmlns:a16="http://schemas.microsoft.com/office/drawing/2014/main" id="{65DC61D6-1148-426F-854E-312C08C5B5F7}"/>
               </a:ext>
             </a:extLst>
           </p:cNvPr>
@@ -3930,11 +3929,30 @@
             <p:ph idx="1"/>
           </p:nvPr>
         </p:nvSpPr>
-        <p:spPr/>
-        <p:txBody>
-          <a:bodyPr/>
-          <a:lstStyle/>
-          <a:p>
+        <p:spPr>
+          <a:xfrm>
+            <a:off x="838200" y="1825625"/>
+            <a:ext cx="6327710" cy="4351338"/>
+          </a:xfrm>
+        </p:spPr>
+        <p:txBody>
+          <a:bodyPr>
+            <a:normAutofit/>
+          </a:bodyPr>
+          <a:lstStyle/>
+          <a:p>
+            <a:pPr marL="514350" indent="-285750"/>
+            <a:r>
+              <a:rPr lang="en-US" altLang="zh-CN" sz="2000" dirty="0">
+                <a:latin typeface="Times New Roman" panose="02020603050405020304" pitchFamily="18" charset="0"/>
+                <a:ea typeface="Calibri" panose="020F0502020204030204" pitchFamily="34" charset="0"/>
+                <a:cs typeface="Times New Roman" panose="02020603050405020304" pitchFamily="18" charset="0"/>
+              </a:rPr>
+              <a:t>We have four different data files:</a:t>
+            </a:r>
+          </a:p>
+          <a:p>
+            <a:pPr lvl="1" indent="228600"/>
             <a:r>
               <a:rPr lang="en-US" altLang="zh-CN" sz="2000" dirty="0">
                 <a:effectLst/>
@@ -3942,17 +3960,30 @@
                 <a:ea typeface="Calibri" panose="020F0502020204030204" pitchFamily="34" charset="0"/>
                 <a:cs typeface="Times New Roman" panose="02020603050405020304" pitchFamily="18" charset="0"/>
               </a:rPr>
-              <a:t>The percentage of body fat is an important indicator of personal health. </a:t>
-            </a:r>
-          </a:p>
-          <a:p>
-            <a:endParaRPr lang="en-US" altLang="zh-CN" sz="2000" dirty="0">
-              <a:latin typeface="Times New Roman" panose="02020603050405020304" pitchFamily="18" charset="0"/>
-              <a:ea typeface="Calibri" panose="020F0502020204030204" pitchFamily="34" charset="0"/>
-              <a:cs typeface="Times New Roman" panose="02020603050405020304" pitchFamily="18" charset="0"/>
-            </a:endParaRPr>
-          </a:p>
-          <a:p>
+              <a:t>Review: </a:t>
+            </a:r>
+            <a:r>
+              <a:rPr lang="en-US" altLang="zh-CN" sz="2000" dirty="0">
+                <a:latin typeface="Times New Roman" panose="02020603050405020304" pitchFamily="18" charset="0"/>
+                <a:ea typeface="Calibri" panose="020F0502020204030204" pitchFamily="34" charset="0"/>
+                <a:cs typeface="Times New Roman" panose="02020603050405020304" pitchFamily="18" charset="0"/>
+              </a:rPr>
+              <a:t>each row is an review from a customer towards a restaurant</a:t>
+            </a:r>
+          </a:p>
+          <a:p>
+            <a:pPr lvl="1" indent="228600"/>
+            <a:r>
+              <a:rPr lang="en-US" altLang="zh-CN" sz="2000" dirty="0">
+                <a:latin typeface="Times New Roman" panose="02020603050405020304" pitchFamily="18" charset="0"/>
+                <a:ea typeface="Calibri" panose="020F0502020204030204" pitchFamily="34" charset="0"/>
+                <a:cs typeface="Times New Roman" panose="02020603050405020304" pitchFamily="18" charset="0"/>
+              </a:rPr>
+              <a:t>Business: each row is an restaurant</a:t>
+            </a:r>
+          </a:p>
+          <a:p>
+            <a:pPr lvl="1" indent="228600"/>
             <a:r>
               <a:rPr lang="en-US" altLang="zh-CN" sz="2000" dirty="0">
                 <a:effectLst/>
@@ -3960,26 +3991,22 @@
                 <a:ea typeface="Calibri" panose="020F0502020204030204" pitchFamily="34" charset="0"/>
                 <a:cs typeface="Times New Roman" panose="02020603050405020304" pitchFamily="18" charset="0"/>
               </a:rPr>
-              <a:t>However, it is hard to implement the accurate way of measurement of body fat. </a:t>
-            </a:r>
-          </a:p>
-          <a:p>
-            <a:endParaRPr lang="en-US" altLang="zh-CN" sz="2000" dirty="0">
-              <a:latin typeface="Times New Roman" panose="02020603050405020304" pitchFamily="18" charset="0"/>
-              <a:ea typeface="Calibri" panose="020F0502020204030204" pitchFamily="34" charset="0"/>
-              <a:cs typeface="Times New Roman" panose="02020603050405020304" pitchFamily="18" charset="0"/>
-            </a:endParaRPr>
-          </a:p>
-          <a:p>
+              <a:t>…</a:t>
+            </a:r>
+          </a:p>
+          <a:p>
+            <a:pPr lvl="1" indent="228600"/>
             <a:r>
               <a:rPr lang="en-US" altLang="zh-CN" sz="2000" dirty="0">
-                <a:effectLst/>
                 <a:latin typeface="Times New Roman" panose="02020603050405020304" pitchFamily="18" charset="0"/>
                 <a:ea typeface="Calibri" panose="020F0502020204030204" pitchFamily="34" charset="0"/>
                 <a:cs typeface="Times New Roman" panose="02020603050405020304" pitchFamily="18" charset="0"/>
               </a:rPr>
-              <a:t>Thus, here we are trying to discover a model to answer this question with other measurements that are much easier to get.</a:t>
-            </a:r>
+              <a:t>…</a:t>
+            </a:r>
+          </a:p>
+          <a:p>
+            <a:pPr lvl="1" indent="228600"/>
             <a:endParaRPr lang="zh-CN" altLang="zh-CN" sz="2000" dirty="0">
               <a:effectLst/>
               <a:latin typeface="Times New Roman" panose="02020603050405020304" pitchFamily="18" charset="0"/>
@@ -3988,6 +4015,39 @@
             </a:endParaRPr>
           </a:p>
           <a:p>
+            <a:pPr marL="514350" indent="-285750"/>
+            <a:r>
+              <a:rPr lang="en-US" altLang="zh-CN" sz="2000" dirty="0">
+                <a:latin typeface="Times New Roman" panose="02020603050405020304" pitchFamily="18" charset="0"/>
+                <a:ea typeface="Calibri" panose="020F0502020204030204" pitchFamily="34" charset="0"/>
+                <a:cs typeface="Times New Roman" panose="02020603050405020304" pitchFamily="18" charset="0"/>
+              </a:rPr>
+              <a:t>We decided to focus on the fast food restaurants</a:t>
+            </a:r>
+          </a:p>
+          <a:p>
+            <a:pPr marL="514350" indent="-285750"/>
+            <a:endParaRPr lang="en-US" altLang="zh-CN" sz="2000" dirty="0">
+              <a:latin typeface="Times New Roman" panose="02020603050405020304" pitchFamily="18" charset="0"/>
+              <a:ea typeface="Calibri" panose="020F0502020204030204" pitchFamily="34" charset="0"/>
+              <a:cs typeface="Times New Roman" panose="02020603050405020304" pitchFamily="18" charset="0"/>
+            </a:endParaRPr>
+          </a:p>
+          <a:p>
+            <a:pPr marL="514350" indent="-285750"/>
+            <a:r>
+              <a:rPr lang="en-US" altLang="zh-CN" sz="2000" dirty="0">
+                <a:latin typeface="Times New Roman" panose="02020603050405020304" pitchFamily="18" charset="0"/>
+                <a:ea typeface="Calibri" panose="020F0502020204030204" pitchFamily="34" charset="0"/>
+                <a:cs typeface="Times New Roman" panose="02020603050405020304" pitchFamily="18" charset="0"/>
+              </a:rPr>
+              <a:t>We mainly used the review data and the business data</a:t>
+            </a:r>
+          </a:p>
+          <a:p>
+            <a:pPr marL="0" indent="0">
+              <a:buNone/>
+            </a:pPr>
             <a:endParaRPr lang="zh-CN" altLang="en-US" dirty="0"/>
           </a:p>
         </p:txBody>
@@ -3995,7 +4055,7 @@
     </p:spTree>
     <p:extLst>
       <p:ext uri="{BB962C8B-B14F-4D97-AF65-F5344CB8AC3E}">
-        <p14:creationId xmlns:p14="http://schemas.microsoft.com/office/powerpoint/2010/main" val="184055195"/>
+        <p14:creationId xmlns:p14="http://schemas.microsoft.com/office/powerpoint/2010/main" val="1448268971"/>
       </p:ext>
     </p:extLst>
   </p:cSld>
@@ -4045,7 +4105,7 @@
           <a:p>
             <a:r>
               <a:rPr lang="en-US" altLang="zh-CN" dirty="0"/>
-              <a:t>Data Cleaning</a:t>
+              <a:t>Text Pre-processing</a:t>
             </a:r>
             <a:endParaRPr lang="zh-CN" altLang="en-US" dirty="0"/>
           </a:p>
@@ -4086,7 +4146,29 @@
                 <a:ea typeface="Calibri" panose="020F0502020204030204" pitchFamily="34" charset="0"/>
                 <a:cs typeface="Times New Roman" panose="02020603050405020304" pitchFamily="18" charset="0"/>
               </a:rPr>
-              <a:t>We have four different data files:</a:t>
+              <a:t>The review are text string with one or more sentences</a:t>
+            </a:r>
+          </a:p>
+          <a:p>
+            <a:pPr marL="514350" indent="-285750"/>
+            <a:r>
+              <a:rPr lang="en-US" altLang="zh-CN" sz="2000" dirty="0">
+                <a:latin typeface="Times New Roman" panose="02020603050405020304" pitchFamily="18" charset="0"/>
+                <a:ea typeface="Calibri" panose="020F0502020204030204" pitchFamily="34" charset="0"/>
+                <a:cs typeface="Times New Roman" panose="02020603050405020304" pitchFamily="18" charset="0"/>
+              </a:rPr>
+              <a:t>We need to first process the review into a way that we can working model on it</a:t>
+            </a:r>
+          </a:p>
+          <a:p>
+            <a:pPr marL="514350" indent="-285750"/>
+            <a:r>
+              <a:rPr lang="en-US" altLang="zh-CN" sz="2000" dirty="0">
+                <a:latin typeface="Times New Roman" panose="02020603050405020304" pitchFamily="18" charset="0"/>
+                <a:ea typeface="Calibri" panose="020F0502020204030204" pitchFamily="34" charset="0"/>
+                <a:cs typeface="Times New Roman" panose="02020603050405020304" pitchFamily="18" charset="0"/>
+              </a:rPr>
+              <a:t>Here’s what we’ve done</a:t>
             </a:r>
           </a:p>
           <a:p>
@@ -4098,15 +4180,23 @@
                 <a:ea typeface="Calibri" panose="020F0502020204030204" pitchFamily="34" charset="0"/>
                 <a:cs typeface="Times New Roman" panose="02020603050405020304" pitchFamily="18" charset="0"/>
               </a:rPr>
-              <a:t>Review: </a:t>
-            </a:r>
+              <a:t>Transfer all to lower case</a:t>
+            </a:r>
+            <a:endParaRPr lang="en-US" altLang="zh-CN" sz="2000" dirty="0">
+              <a:latin typeface="Times New Roman" panose="02020603050405020304" pitchFamily="18" charset="0"/>
+              <a:ea typeface="Calibri" panose="020F0502020204030204" pitchFamily="34" charset="0"/>
+              <a:cs typeface="Times New Roman" panose="02020603050405020304" pitchFamily="18" charset="0"/>
+            </a:endParaRPr>
+          </a:p>
+          <a:p>
+            <a:pPr lvl="1" indent="228600"/>
             <a:r>
               <a:rPr lang="en-US" altLang="zh-CN" sz="2000" dirty="0">
                 <a:latin typeface="Times New Roman" panose="02020603050405020304" pitchFamily="18" charset="0"/>
                 <a:ea typeface="Calibri" panose="020F0502020204030204" pitchFamily="34" charset="0"/>
                 <a:cs typeface="Times New Roman" panose="02020603050405020304" pitchFamily="18" charset="0"/>
               </a:rPr>
-              <a:t>each row is an review from a customer towards a restaurant</a:t>
+              <a:t>Split into words</a:t>
             </a:r>
           </a:p>
           <a:p>
@@ -4117,7 +4207,7 @@
                 <a:ea typeface="Calibri" panose="020F0502020204030204" pitchFamily="34" charset="0"/>
                 <a:cs typeface="Times New Roman" panose="02020603050405020304" pitchFamily="18" charset="0"/>
               </a:rPr>
-              <a:t>Business: each row is an restaurant</a:t>
+              <a:t>Drop stopping words</a:t>
             </a:r>
           </a:p>
           <a:p>
@@ -4129,7 +4219,7 @@
                 <a:ea typeface="Calibri" panose="020F0502020204030204" pitchFamily="34" charset="0"/>
                 <a:cs typeface="Times New Roman" panose="02020603050405020304" pitchFamily="18" charset="0"/>
               </a:rPr>
-              <a:t>…</a:t>
+              <a:t>Lemmatization</a:t>
             </a:r>
           </a:p>
           <a:p>
@@ -4140,36 +4230,24 @@
                 <a:ea typeface="Calibri" panose="020F0502020204030204" pitchFamily="34" charset="0"/>
                 <a:cs typeface="Times New Roman" panose="02020603050405020304" pitchFamily="18" charset="0"/>
               </a:rPr>
-              <a:t>…</a:t>
-            </a:r>
-          </a:p>
-          <a:p>
-            <a:pPr lvl="1" indent="228600"/>
-            <a:endParaRPr lang="zh-CN" altLang="zh-CN" sz="2000" dirty="0">
-              <a:effectLst/>
-              <a:latin typeface="Times New Roman" panose="02020603050405020304" pitchFamily="18" charset="0"/>
-              <a:ea typeface="Calibri" panose="020F0502020204030204" pitchFamily="34" charset="0"/>
-              <a:cs typeface="Times New Roman" panose="02020603050405020304" pitchFamily="18" charset="0"/>
-            </a:endParaRPr>
-          </a:p>
-          <a:p>
-            <a:pPr marL="514350" indent="-285750"/>
+              <a:t>Use </a:t>
+            </a:r>
+            <a:r>
+              <a:rPr lang="en-US" altLang="zh-CN" sz="2000" dirty="0" err="1">
+                <a:latin typeface="Times New Roman" panose="02020603050405020304" pitchFamily="18" charset="0"/>
+                <a:ea typeface="Calibri" panose="020F0502020204030204" pitchFamily="34" charset="0"/>
+                <a:cs typeface="Times New Roman" panose="02020603050405020304" pitchFamily="18" charset="0"/>
+              </a:rPr>
+              <a:t>N+word</a:t>
+            </a:r>
             <a:r>
               <a:rPr lang="en-US" altLang="zh-CN" sz="2000" dirty="0">
                 <a:latin typeface="Times New Roman" panose="02020603050405020304" pitchFamily="18" charset="0"/>
                 <a:ea typeface="Calibri" panose="020F0502020204030204" pitchFamily="34" charset="0"/>
                 <a:cs typeface="Times New Roman" panose="02020603050405020304" pitchFamily="18" charset="0"/>
               </a:rPr>
-              <a:t>We decided to focus on the fast food restaurants</a:t>
-            </a:r>
-          </a:p>
-          <a:p>
-            <a:pPr marL="514350" indent="-285750"/>
-            <a:endParaRPr lang="en-US" altLang="zh-CN" sz="2000" dirty="0">
-              <a:latin typeface="Times New Roman" panose="02020603050405020304" pitchFamily="18" charset="0"/>
-              <a:ea typeface="Calibri" panose="020F0502020204030204" pitchFamily="34" charset="0"/>
-              <a:cs typeface="Times New Roman" panose="02020603050405020304" pitchFamily="18" charset="0"/>
-            </a:endParaRPr>
+              <a:t> to replace word with not, no, etc.</a:t>
+            </a:r>
           </a:p>
           <a:p>
             <a:pPr marL="514350" indent="-285750"/>
@@ -4179,21 +4257,15 @@
                 <a:ea typeface="Calibri" panose="020F0502020204030204" pitchFamily="34" charset="0"/>
                 <a:cs typeface="Times New Roman" panose="02020603050405020304" pitchFamily="18" charset="0"/>
               </a:rPr>
-              <a:t>We mainly used the review data and the business data</a:t>
-            </a:r>
-          </a:p>
-          <a:p>
-            <a:pPr marL="0" indent="0">
-              <a:buNone/>
-            </a:pPr>
-            <a:endParaRPr lang="zh-CN" altLang="en-US" dirty="0"/>
+              <a:t>After that, we use bag-of-words to vectorize the text.</a:t>
+            </a:r>
           </a:p>
         </p:txBody>
       </p:sp>
     </p:spTree>
     <p:extLst>
       <p:ext uri="{BB962C8B-B14F-4D97-AF65-F5344CB8AC3E}">
-        <p14:creationId xmlns:p14="http://schemas.microsoft.com/office/powerpoint/2010/main" val="1448268971"/>
+        <p14:creationId xmlns:p14="http://schemas.microsoft.com/office/powerpoint/2010/main" val="3085523055"/>
       </p:ext>
     </p:extLst>
   </p:cSld>
@@ -4243,7 +4315,7 @@
           <a:p>
             <a:r>
               <a:rPr lang="en-US" altLang="zh-CN" dirty="0"/>
-              <a:t>Text Pre-processing</a:t>
+              <a:t>Method</a:t>
             </a:r>
             <a:endParaRPr lang="zh-CN" altLang="en-US" dirty="0"/>
           </a:p>
@@ -4284,7 +4356,7 @@
                 <a:ea typeface="Calibri" panose="020F0502020204030204" pitchFamily="34" charset="0"/>
                 <a:cs typeface="Times New Roman" panose="02020603050405020304" pitchFamily="18" charset="0"/>
               </a:rPr>
-              <a:t>The review are text string with one or more sentences</a:t>
+              <a:t>We fit a multiple linear regress with Y to be the restaurant overall rate, and X to be the word vector.</a:t>
             </a:r>
           </a:p>
           <a:p>
@@ -4295,7 +4367,7 @@
                 <a:ea typeface="Calibri" panose="020F0502020204030204" pitchFamily="34" charset="0"/>
                 <a:cs typeface="Times New Roman" panose="02020603050405020304" pitchFamily="18" charset="0"/>
               </a:rPr>
-              <a:t>We need to first process the review into a way that we can working model on it</a:t>
+              <a:t>After get the model, we pick those words that is sufficient with adjusted p-value. And manually choose those that has meaning for the owner.</a:t>
             </a:r>
           </a:p>
           <a:p>
@@ -4306,96 +4378,18 @@
                 <a:ea typeface="Calibri" panose="020F0502020204030204" pitchFamily="34" charset="0"/>
                 <a:cs typeface="Times New Roman" panose="02020603050405020304" pitchFamily="18" charset="0"/>
               </a:rPr>
-              <a:t>Here’s what we’ve done</a:t>
-            </a:r>
-          </a:p>
-          <a:p>
-            <a:pPr lvl="1" indent="228600"/>
-            <a:r>
-              <a:rPr lang="en-US" altLang="zh-CN" sz="2000" dirty="0">
-                <a:effectLst/>
-                <a:latin typeface="Times New Roman" panose="02020603050405020304" pitchFamily="18" charset="0"/>
-                <a:ea typeface="Calibri" panose="020F0502020204030204" pitchFamily="34" charset="0"/>
-                <a:cs typeface="Times New Roman" panose="02020603050405020304" pitchFamily="18" charset="0"/>
-              </a:rPr>
-              <a:t>Transfer all to lower case</a:t>
-            </a:r>
-            <a:endParaRPr lang="en-US" altLang="zh-CN" sz="2000" dirty="0">
-              <a:latin typeface="Times New Roman" panose="02020603050405020304" pitchFamily="18" charset="0"/>
-              <a:ea typeface="Calibri" panose="020F0502020204030204" pitchFamily="34" charset="0"/>
-              <a:cs typeface="Times New Roman" panose="02020603050405020304" pitchFamily="18" charset="0"/>
-            </a:endParaRPr>
-          </a:p>
-          <a:p>
-            <a:pPr lvl="1" indent="228600"/>
+              <a:t>Use those words to be the base for our suggestion to the owner.</a:t>
+            </a:r>
+          </a:p>
+          <a:p>
+            <a:pPr marL="514350" indent="-285750"/>
             <a:r>
               <a:rPr lang="en-US" altLang="zh-CN" sz="2000" dirty="0">
                 <a:latin typeface="Times New Roman" panose="02020603050405020304" pitchFamily="18" charset="0"/>
                 <a:ea typeface="Calibri" panose="020F0502020204030204" pitchFamily="34" charset="0"/>
                 <a:cs typeface="Times New Roman" panose="02020603050405020304" pitchFamily="18" charset="0"/>
               </a:rPr>
-              <a:t>Split into words</a:t>
-            </a:r>
-          </a:p>
-          <a:p>
-            <a:pPr lvl="1" indent="228600"/>
-            <a:r>
-              <a:rPr lang="en-US" altLang="zh-CN" sz="2000" dirty="0">
-                <a:latin typeface="Times New Roman" panose="02020603050405020304" pitchFamily="18" charset="0"/>
-                <a:ea typeface="Calibri" panose="020F0502020204030204" pitchFamily="34" charset="0"/>
-                <a:cs typeface="Times New Roman" panose="02020603050405020304" pitchFamily="18" charset="0"/>
-              </a:rPr>
-              <a:t>Drop stopping words</a:t>
-            </a:r>
-          </a:p>
-          <a:p>
-            <a:pPr lvl="1" indent="228600"/>
-            <a:r>
-              <a:rPr lang="en-US" altLang="zh-CN" sz="2000" dirty="0">
-                <a:effectLst/>
-                <a:latin typeface="Times New Roman" panose="02020603050405020304" pitchFamily="18" charset="0"/>
-                <a:ea typeface="Calibri" panose="020F0502020204030204" pitchFamily="34" charset="0"/>
-                <a:cs typeface="Times New Roman" panose="02020603050405020304" pitchFamily="18" charset="0"/>
-              </a:rPr>
-              <a:t>Lemmatization</a:t>
-            </a:r>
-          </a:p>
-          <a:p>
-            <a:pPr lvl="1" indent="228600"/>
-            <a:r>
-              <a:rPr lang="en-US" altLang="zh-CN" sz="2000" dirty="0">
-                <a:latin typeface="Times New Roman" panose="02020603050405020304" pitchFamily="18" charset="0"/>
-                <a:ea typeface="Calibri" panose="020F0502020204030204" pitchFamily="34" charset="0"/>
-                <a:cs typeface="Times New Roman" panose="02020603050405020304" pitchFamily="18" charset="0"/>
-              </a:rPr>
-              <a:t>Use </a:t>
-            </a:r>
-            <a:r>
-              <a:rPr lang="en-US" altLang="zh-CN" sz="2000" dirty="0" err="1">
-                <a:latin typeface="Times New Roman" panose="02020603050405020304" pitchFamily="18" charset="0"/>
-                <a:ea typeface="Calibri" panose="020F0502020204030204" pitchFamily="34" charset="0"/>
-                <a:cs typeface="Times New Roman" panose="02020603050405020304" pitchFamily="18" charset="0"/>
-              </a:rPr>
-              <a:t>N+word</a:t>
-            </a:r>
-            <a:r>
-              <a:rPr lang="en-US" altLang="zh-CN" sz="2000" dirty="0">
-                <a:latin typeface="Times New Roman" panose="02020603050405020304" pitchFamily="18" charset="0"/>
-                <a:ea typeface="Calibri" panose="020F0502020204030204" pitchFamily="34" charset="0"/>
-                <a:cs typeface="Times New Roman" panose="02020603050405020304" pitchFamily="18" charset="0"/>
-              </a:rPr>
-              <a:t> to replace word with not, no, etc.</a:t>
-            </a:r>
-          </a:p>
-          <a:p>
-            <a:pPr marL="514350" indent="-285750"/>
-            <a:r>
-              <a:rPr lang="en-US" altLang="zh-CN" sz="2000" dirty="0">
-                <a:latin typeface="Times New Roman" panose="02020603050405020304" pitchFamily="18" charset="0"/>
-                <a:ea typeface="Calibri" panose="020F0502020204030204" pitchFamily="34" charset="0"/>
-                <a:cs typeface="Times New Roman" panose="02020603050405020304" pitchFamily="18" charset="0"/>
-              </a:rPr>
-              <a:t>After that, we use bag-of-words to vectorize the text.</a:t>
+              <a:t>For the attributes, we do the same thing.</a:t>
             </a:r>
           </a:p>
         </p:txBody>
@@ -4403,7 +4397,7 @@
     </p:spTree>
     <p:extLst>
       <p:ext uri="{BB962C8B-B14F-4D97-AF65-F5344CB8AC3E}">
-        <p14:creationId xmlns:p14="http://schemas.microsoft.com/office/powerpoint/2010/main" val="3085523055"/>
+        <p14:creationId xmlns:p14="http://schemas.microsoft.com/office/powerpoint/2010/main" val="1720156588"/>
       </p:ext>
     </p:extLst>
   </p:cSld>
@@ -4435,138 +4429,6 @@
           <p:cNvPr id="2" name="标题 1">
             <a:extLst>
               <a:ext uri="{FF2B5EF4-FFF2-40B4-BE49-F238E27FC236}">
-                <a16:creationId xmlns:a16="http://schemas.microsoft.com/office/drawing/2014/main" id="{C6B0E5BB-36F8-459F-A8D2-95EA3004D06A}"/>
-              </a:ext>
-            </a:extLst>
-          </p:cNvPr>
-          <p:cNvSpPr>
-            <a:spLocks noGrp="1"/>
-          </p:cNvSpPr>
-          <p:nvPr>
-            <p:ph type="title"/>
-          </p:nvPr>
-        </p:nvSpPr>
-        <p:spPr/>
-        <p:txBody>
-          <a:bodyPr/>
-          <a:lstStyle/>
-          <a:p>
-            <a:r>
-              <a:rPr lang="en-US" altLang="zh-CN" dirty="0"/>
-              <a:t>Method</a:t>
-            </a:r>
-            <a:endParaRPr lang="zh-CN" altLang="en-US" dirty="0"/>
-          </a:p>
-        </p:txBody>
-      </p:sp>
-      <p:sp>
-        <p:nvSpPr>
-          <p:cNvPr id="3" name="内容占位符 2">
-            <a:extLst>
-              <a:ext uri="{FF2B5EF4-FFF2-40B4-BE49-F238E27FC236}">
-                <a16:creationId xmlns:a16="http://schemas.microsoft.com/office/drawing/2014/main" id="{65DC61D6-1148-426F-854E-312C08C5B5F7}"/>
-              </a:ext>
-            </a:extLst>
-          </p:cNvPr>
-          <p:cNvSpPr>
-            <a:spLocks noGrp="1"/>
-          </p:cNvSpPr>
-          <p:nvPr>
-            <p:ph idx="1"/>
-          </p:nvPr>
-        </p:nvSpPr>
-        <p:spPr>
-          <a:xfrm>
-            <a:off x="838200" y="1825625"/>
-            <a:ext cx="6327710" cy="4351338"/>
-          </a:xfrm>
-        </p:spPr>
-        <p:txBody>
-          <a:bodyPr>
-            <a:normAutofit/>
-          </a:bodyPr>
-          <a:lstStyle/>
-          <a:p>
-            <a:pPr marL="514350" indent="-285750"/>
-            <a:r>
-              <a:rPr lang="en-US" altLang="zh-CN" sz="2000" dirty="0">
-                <a:latin typeface="Times New Roman" panose="02020603050405020304" pitchFamily="18" charset="0"/>
-                <a:ea typeface="Calibri" panose="020F0502020204030204" pitchFamily="34" charset="0"/>
-                <a:cs typeface="Times New Roman" panose="02020603050405020304" pitchFamily="18" charset="0"/>
-              </a:rPr>
-              <a:t>We fit a multiple linear regress with Y to be the restaurant overall rate, and X to be the word vector.</a:t>
-            </a:r>
-          </a:p>
-          <a:p>
-            <a:pPr marL="514350" indent="-285750"/>
-            <a:r>
-              <a:rPr lang="en-US" altLang="zh-CN" sz="2000" dirty="0">
-                <a:latin typeface="Times New Roman" panose="02020603050405020304" pitchFamily="18" charset="0"/>
-                <a:ea typeface="Calibri" panose="020F0502020204030204" pitchFamily="34" charset="0"/>
-                <a:cs typeface="Times New Roman" panose="02020603050405020304" pitchFamily="18" charset="0"/>
-              </a:rPr>
-              <a:t>After get the model, we pick those words that is sufficient with adjusted p-value. And manually choose those that has meaning for the owner.</a:t>
-            </a:r>
-          </a:p>
-          <a:p>
-            <a:pPr marL="514350" indent="-285750"/>
-            <a:r>
-              <a:rPr lang="en-US" altLang="zh-CN" sz="2000" dirty="0">
-                <a:latin typeface="Times New Roman" panose="02020603050405020304" pitchFamily="18" charset="0"/>
-                <a:ea typeface="Calibri" panose="020F0502020204030204" pitchFamily="34" charset="0"/>
-                <a:cs typeface="Times New Roman" panose="02020603050405020304" pitchFamily="18" charset="0"/>
-              </a:rPr>
-              <a:t>Use those words to be the base for our suggestion to the owner.</a:t>
-            </a:r>
-          </a:p>
-          <a:p>
-            <a:pPr marL="514350" indent="-285750"/>
-            <a:r>
-              <a:rPr lang="en-US" altLang="zh-CN" sz="2000" dirty="0">
-                <a:latin typeface="Times New Roman" panose="02020603050405020304" pitchFamily="18" charset="0"/>
-                <a:ea typeface="Calibri" panose="020F0502020204030204" pitchFamily="34" charset="0"/>
-                <a:cs typeface="Times New Roman" panose="02020603050405020304" pitchFamily="18" charset="0"/>
-              </a:rPr>
-              <a:t>For the attributes, we do the same thing.</a:t>
-            </a:r>
-          </a:p>
-        </p:txBody>
-      </p:sp>
-    </p:spTree>
-    <p:extLst>
-      <p:ext uri="{BB962C8B-B14F-4D97-AF65-F5344CB8AC3E}">
-        <p14:creationId xmlns:p14="http://schemas.microsoft.com/office/powerpoint/2010/main" val="1720156588"/>
-      </p:ext>
-    </p:extLst>
-  </p:cSld>
-  <p:clrMapOvr>
-    <a:masterClrMapping/>
-  </p:clrMapOvr>
-</p:sld>
-</file>
-
-<file path=ppt/slides/slide6.xml><?xml version="1.0" encoding="utf-8"?>
-<p:sld xmlns:a="http://schemas.openxmlformats.org/drawingml/2006/main" xmlns:r="http://schemas.openxmlformats.org/officeDocument/2006/relationships" xmlns:p="http://schemas.openxmlformats.org/presentationml/2006/main">
-  <p:cSld>
-    <p:spTree>
-      <p:nvGrpSpPr>
-        <p:cNvPr id="1" name=""/>
-        <p:cNvGrpSpPr/>
-        <p:nvPr/>
-      </p:nvGrpSpPr>
-      <p:grpSpPr>
-        <a:xfrm>
-          <a:off x="0" y="0"/>
-          <a:ext cx="0" cy="0"/>
-          <a:chOff x="0" y="0"/>
-          <a:chExt cx="0" cy="0"/>
-        </a:xfrm>
-      </p:grpSpPr>
-      <p:sp>
-        <p:nvSpPr>
-          <p:cNvPr id="2" name="标题 1">
-            <a:extLst>
-              <a:ext uri="{FF2B5EF4-FFF2-40B4-BE49-F238E27FC236}">
                 <a16:creationId xmlns:a16="http://schemas.microsoft.com/office/drawing/2014/main" id="{9A7E69C9-CC7C-4AD5-B365-FFA97CF59C02}"/>
               </a:ext>
             </a:extLst>
@@ -4640,7 +4502,7 @@
 </p:sld>
 </file>
 
-<file path=ppt/slides/slide7.xml><?xml version="1.0" encoding="utf-8"?>
+<file path=ppt/slides/slide6.xml><?xml version="1.0" encoding="utf-8"?>
 <p:sld xmlns:a="http://schemas.openxmlformats.org/drawingml/2006/main" xmlns:r="http://schemas.openxmlformats.org/officeDocument/2006/relationships" xmlns:p="http://schemas.openxmlformats.org/presentationml/2006/main">
   <p:cSld>
     <p:bg>
@@ -4712,7 +4574,7 @@
 </p:sld>
 </file>
 
-<file path=ppt/slides/slide8.xml><?xml version="1.0" encoding="utf-8"?>
+<file path=ppt/slides/slide7.xml><?xml version="1.0" encoding="utf-8"?>
 <p:sld xmlns:a="http://schemas.openxmlformats.org/drawingml/2006/main" xmlns:r="http://schemas.openxmlformats.org/officeDocument/2006/relationships" xmlns:p="http://schemas.openxmlformats.org/presentationml/2006/main">
   <p:cSld>
     <p:spTree>
@@ -4832,7 +4694,7 @@
 </p:sld>
 </file>
 
-<file path=ppt/slides/slide9.xml><?xml version="1.0" encoding="utf-8"?>
+<file path=ppt/slides/slide8.xml><?xml version="1.0" encoding="utf-8"?>
 <p:sld xmlns:a="http://schemas.openxmlformats.org/drawingml/2006/main" xmlns:r="http://schemas.openxmlformats.org/officeDocument/2006/relationships" xmlns:p="http://schemas.openxmlformats.org/presentationml/2006/main">
   <p:cSld>
     <p:spTree>
